--- a/Lecture#6/interrupts-and-exceptions.pptx
+++ b/Lecture#6/interrupts-and-exceptions.pptx
@@ -5185,6 +5185,13 @@
   <p:clrMapOvr>
     <a:masterClrMapping/>
   </p:clrMapOvr>
+  <p:timing>
+    <p:tnLst>
+      <p:par>
+        <p:cTn id="1" dur="indefinite" restart="never" nodeType="tmRoot"/>
+      </p:par>
+    </p:tnLst>
+  </p:timing>
 </p:sld>
 </file>
 
@@ -5427,6 +5434,13 @@
   <p:clrMapOvr>
     <a:masterClrMapping/>
   </p:clrMapOvr>
+  <p:timing>
+    <p:tnLst>
+      <p:par>
+        <p:cTn id="1" dur="indefinite" restart="never" nodeType="tmRoot"/>
+      </p:par>
+    </p:tnLst>
+  </p:timing>
 </p:sld>
 </file>
 
@@ -5683,6 +5697,13 @@
   <p:clrMapOvr>
     <a:masterClrMapping/>
   </p:clrMapOvr>
+  <p:timing>
+    <p:tnLst>
+      <p:par>
+        <p:cTn id="1" dur="indefinite" restart="never" nodeType="tmRoot"/>
+      </p:par>
+    </p:tnLst>
+  </p:timing>
 </p:sld>
 </file>
 
@@ -5935,6 +5956,13 @@
   <p:clrMapOvr>
     <a:masterClrMapping/>
   </p:clrMapOvr>
+  <p:timing>
+    <p:tnLst>
+      <p:par>
+        <p:cTn id="1" dur="indefinite" restart="never" nodeType="tmRoot"/>
+      </p:par>
+    </p:tnLst>
+  </p:timing>
 </p:sld>
 </file>
 
@@ -7590,6 +7618,13 @@
   <p:clrMapOvr>
     <a:masterClrMapping/>
   </p:clrMapOvr>
+  <p:timing>
+    <p:tnLst>
+      <p:par>
+        <p:cTn id="1" dur="indefinite" restart="never" nodeType="tmRoot"/>
+      </p:par>
+    </p:tnLst>
+  </p:timing>
 </p:sld>
 </file>
 
@@ -10182,25 +10217,49 @@
         <p:spPr/>
         <p:txBody>
           <a:bodyPr>
-            <a:normAutofit fontScale="70000" lnSpcReduction="20000"/>
+            <a:normAutofit fontScale="62500" lnSpcReduction="20000"/>
           </a:bodyPr>
           <a:lstStyle/>
           <a:p>
             <a:r>
               <a:rPr lang="en-US" dirty="0"/>
-              <a:t>; run this with https://wchargin.github.io/lc3web </a:t>
-            </a:r>
-          </a:p>
-          <a:p>
+              <a:t>; </a:t>
+            </a:r>
+            <a:r>
+              <a:rPr lang="en-US" dirty="0" smtClean="0"/>
+              <a:t> </a:t>
+            </a:r>
             <a:r>
               <a:rPr lang="en-US" dirty="0"/>
-              <a:t>             ; configure interrupt subroutine</a:t>
-            </a:r>
-          </a:p>
-          <a:p>
+              <a:t>run this with </a:t>
+            </a:r>
+            <a:r>
+              <a:rPr lang="en-US" dirty="0" smtClean="0"/>
+              <a:t>;https</a:t>
+            </a:r>
             <a:r>
               <a:rPr lang="en-US" dirty="0"/>
-              <a:t>             LEA R0, ISR_KB</a:t>
+              <a:t>://courses.grainger.illinois.edu/ece220/fa2019/lc3web/index.html (based on </a:t>
+            </a:r>
+            <a:r>
+              <a:rPr lang="en-US" dirty="0">
+                <a:hlinkClick r:id="rId2"/>
+              </a:rPr>
+              <a:t>https://wchargin.github.io/lc3web</a:t>
+            </a:r>
+            <a:r>
+              <a:rPr lang="en-US" dirty="0" smtClean="0"/>
+              <a:t>)</a:t>
+            </a:r>
+          </a:p>
+          <a:p>
+            <a:r>
+              <a:rPr lang="en-US" dirty="0" smtClean="0"/>
+              <a:t>             </a:t>
+            </a:r>
+            <a:r>
+              <a:rPr lang="en-US" dirty="0"/>
+              <a:t>LEA R0, ISR_KB</a:t>
             </a:r>
           </a:p>
           <a:p>
@@ -10437,10 +10496,15 @@
             <p:ph idx="1"/>
           </p:nvPr>
         </p:nvSpPr>
-        <p:spPr/>
+        <p:spPr>
+          <a:xfrm>
+            <a:off x="596350" y="1291959"/>
+            <a:ext cx="7792278" cy="5043948"/>
+          </a:xfrm>
+        </p:spPr>
         <p:txBody>
           <a:bodyPr>
-            <a:normAutofit fontScale="55000" lnSpcReduction="20000"/>
+            <a:normAutofit fontScale="47500" lnSpcReduction="20000"/>
           </a:bodyPr>
           <a:lstStyle/>
           <a:p>
@@ -10452,7 +10516,13 @@
           <a:p>
             <a:r>
               <a:rPr lang="en-US" dirty="0"/>
-              <a:t>ISR_KB   ST R0, SaveR0 ;</a:t>
+              <a:t>ISR_KB</a:t>
+            </a:r>
+          </a:p>
+          <a:p>
+            <a:r>
+              <a:rPr lang="en-US" dirty="0"/>
+              <a:t>    ST  R0,SaveR0 ;</a:t>
             </a:r>
             <a:r>
               <a:rPr lang="en-US" dirty="0" err="1"/>
@@ -10466,25 +10536,57 @@
           <a:p>
             <a:r>
               <a:rPr lang="en-US" dirty="0"/>
-              <a:t>                 LDI R0, KBDR ; read a character from keyboard and clear ready bit</a:t>
-            </a:r>
-          </a:p>
-          <a:p>
+              <a:t>    ST  R7,SaveR7 ;</a:t>
+            </a:r>
+            <a:r>
+              <a:rPr lang="en-US" dirty="0" err="1"/>
+              <a:t>callee</a:t>
+            </a:r>
             <a:r>
               <a:rPr lang="en-US" dirty="0"/>
-              <a:t>                 OUT</a:t>
+              <a:t>-save</a:t>
             </a:r>
           </a:p>
           <a:p>
             <a:r>
               <a:rPr lang="en-US" dirty="0"/>
-              <a:t>                 LD R0,SaveR0</a:t>
-            </a:r>
-          </a:p>
-          <a:p>
+              <a:t>    LDI R0,KBDR ;read a </a:t>
+            </a:r>
+            <a:r>
+              <a:rPr lang="en-US" dirty="0" err="1"/>
+              <a:t>charcter</a:t>
+            </a:r>
             <a:r>
               <a:rPr lang="en-US" dirty="0"/>
-              <a:t>                 RTI</a:t>
+              <a:t> from keyboard and clear ready bit</a:t>
+            </a:r>
+          </a:p>
+          <a:p>
+            <a:r>
+              <a:rPr lang="en-US" dirty="0"/>
+              <a:t>    HALT</a:t>
+            </a:r>
+          </a:p>
+          <a:p>
+            <a:r>
+              <a:rPr lang="en-US" dirty="0"/>
+              <a:t>    LD  R0,SaveR0</a:t>
+            </a:r>
+          </a:p>
+          <a:p>
+            <a:r>
+              <a:rPr lang="en-US" dirty="0"/>
+              <a:t>    LD  R7,SaveR7</a:t>
+            </a:r>
+          </a:p>
+          <a:p>
+            <a:r>
+              <a:rPr lang="en-US" dirty="0"/>
+              <a:t>    </a:t>
+            </a:r>
+            <a:r>
+              <a:rPr lang="en-US" dirty="0" smtClean="0"/>
+              <a:t>RTI</a:t>
             </a:r>
           </a:p>
           <a:p>
@@ -10726,6 +10828,13 @@
   <p:clrMapOvr>
     <a:masterClrMapping/>
   </p:clrMapOvr>
+  <p:timing>
+    <p:tnLst>
+      <p:par>
+        <p:cTn id="1" dur="indefinite" restart="never" nodeType="tmRoot"/>
+      </p:par>
+    </p:tnLst>
+  </p:timing>
 </p:sld>
 </file>
 
@@ -10786,6 +10895,13 @@
   <p:clrMapOvr>
     <a:masterClrMapping/>
   </p:clrMapOvr>
+  <p:timing>
+    <p:tnLst>
+      <p:par>
+        <p:cTn id="1" dur="indefinite" restart="never" nodeType="tmRoot"/>
+      </p:par>
+    </p:tnLst>
+  </p:timing>
 </p:sld>
 </file>
 
@@ -16533,6 +16649,13 @@
   <p:clrMapOvr>
     <a:masterClrMapping/>
   </p:clrMapOvr>
+  <p:timing>
+    <p:tnLst>
+      <p:par>
+        <p:cTn id="1" dur="indefinite" restart="never" nodeType="tmRoot"/>
+      </p:par>
+    </p:tnLst>
+  </p:timing>
 </p:sld>
 </file>
 
@@ -20834,6 +20957,13 @@
   <p:clrMapOvr>
     <a:masterClrMapping/>
   </p:clrMapOvr>
+  <p:timing>
+    <p:tnLst>
+      <p:par>
+        <p:cTn id="1" dur="indefinite" restart="never" nodeType="tmRoot"/>
+      </p:par>
+    </p:tnLst>
+  </p:timing>
 </p:sld>
 </file>
 

--- a/Lecture#6/interrupts-and-exceptions.pptx
+++ b/Lecture#6/interrupts-and-exceptions.pptx
@@ -226,7 +226,7 @@
           <a:p>
             <a:fld id="{B7B2EAB6-D689-4E05-BA69-3794AD24F7EB}" type="datetimeFigureOut">
               <a:rPr lang="en-US" smtClean="0"/>
-              <a:t>9/12/2019</a:t>
+              <a:t>9/14/2019</a:t>
             </a:fld>
             <a:endParaRPr lang="en-US"/>
           </a:p>
@@ -391,7 +391,7 @@
           <a:p>
             <a:fld id="{FCB7FEB2-7CC4-407B-823B-93A197C339A3}" type="datetimeFigureOut">
               <a:rPr lang="en-US" smtClean="0"/>
-              <a:t>9/12/2019</a:t>
+              <a:t>9/14/2019</a:t>
             </a:fld>
             <a:endParaRPr lang="en-US"/>
           </a:p>
@@ -10217,7 +10217,7 @@
         <p:spPr/>
         <p:txBody>
           <a:bodyPr>
-            <a:normAutofit fontScale="62500" lnSpcReduction="20000"/>
+            <a:normAutofit fontScale="55000" lnSpcReduction="20000"/>
           </a:bodyPr>
           <a:lstStyle/>
           <a:p>
@@ -10254,57 +10254,73 @@
           </a:p>
           <a:p>
             <a:r>
-              <a:rPr lang="en-US" dirty="0" smtClean="0"/>
-              <a:t>             </a:t>
-            </a:r>
-            <a:r>
               <a:rPr lang="en-US" dirty="0"/>
-              <a:t>LEA R0, ISR_KB</a:t>
+              <a:t>.ORIG   x3000</a:t>
             </a:r>
           </a:p>
           <a:p>
             <a:r>
               <a:rPr lang="en-US" dirty="0"/>
-              <a:t>             STI R0, KBINTV ; load ISR address to INTV</a:t>
+              <a:t>    LEA R0,ISR_KB</a:t>
             </a:r>
           </a:p>
           <a:p>
             <a:r>
               <a:rPr lang="en-US" dirty="0"/>
-              <a:t>             LD R3, EN_IE</a:t>
+              <a:t>    STI R0,KBINTV ;load ISR address to INTV (M[x0180] &lt;- ISR_KB)</a:t>
             </a:r>
           </a:p>
           <a:p>
             <a:r>
               <a:rPr lang="en-US" dirty="0"/>
-              <a:t>             STI R3, KBSR ; enable IE bit of KBSR</a:t>
-            </a:r>
-          </a:p>
-          <a:p>
-            <a:pPr marL="0" indent="0">
-              <a:buNone/>
-            </a:pPr>
+              <a:t>    LD  R3,EN_IE</a:t>
+            </a:r>
+          </a:p>
+          <a:p>
             <a:r>
               <a:rPr lang="en-US" dirty="0"/>
-              <a:t>              ; main code (just an infinite output loop)</a:t>
-            </a:r>
+              <a:t>    STI R3,KBSR ;enable IE bit of KBSR</a:t>
+            </a:r>
+          </a:p>
+          <a:p>
+            <a:endParaRPr lang="en-US" dirty="0"/>
           </a:p>
           <a:p>
             <a:r>
               <a:rPr lang="en-US" dirty="0"/>
-              <a:t>AGAIN LD R0, NUM2 ; infinite loop printing '2’</a:t>
+              <a:t>AGAIN</a:t>
             </a:r>
           </a:p>
           <a:p>
             <a:r>
               <a:rPr lang="en-US" dirty="0"/>
-              <a:t>             OUT</a:t>
+              <a:t>    LD  R0,NUM2 ;infinite loop printing '2'</a:t>
             </a:r>
           </a:p>
           <a:p>
             <a:r>
               <a:rPr lang="en-US" dirty="0"/>
-              <a:t>             </a:t>
+              <a:t>    OUT     ;</a:t>
+            </a:r>
+            <a:r>
+              <a:rPr lang="en-US" dirty="0" err="1"/>
+              <a:t>Interrrupt</a:t>
+            </a:r>
+            <a:r>
+              <a:rPr lang="en-US" dirty="0"/>
+              <a:t> during this OUT can cause re-entrant problem(lc3web)</a:t>
+            </a:r>
+          </a:p>
+          <a:p>
+            <a:r>
+              <a:rPr lang="en-US" dirty="0"/>
+              <a:t>            ;due to R7-save in OUT (which is not necessary, update needed).</a:t>
+            </a:r>
+          </a:p>
+          <a:p>
+            <a:r>
+              <a:rPr lang="en-US" dirty="0"/>
+              <a:t>    </a:t>
             </a:r>
             <a:r>
               <a:rPr lang="en-US" dirty="0" err="1"/>
@@ -10312,14 +10328,9 @@
             </a:r>
             <a:r>
               <a:rPr lang="en-US" dirty="0"/>
-              <a:t> AGAIN</a:t>
-            </a:r>
-          </a:p>
-          <a:p>
-            <a:r>
-              <a:rPr lang="en-US" dirty="0"/>
-              <a:t>             HALT</a:t>
-            </a:r>
+              <a:t>   AGAIN</a:t>
+            </a:r>
+            <a:endParaRPr lang="en-US" dirty="0"/>
           </a:p>
         </p:txBody>
       </p:sp>
@@ -10347,35 +10358,6 @@
             <a:r>
               <a:rPr lang="en-US"/>
               <a:t>ECE 220: Computer Systems &amp; Programming</a:t>
-            </a:r>
-            <a:endParaRPr lang="en-US" dirty="0"/>
-          </a:p>
-        </p:txBody>
-      </p:sp>
-      <p:sp>
-        <p:nvSpPr>
-          <p:cNvPr id="5" name="Footer Placeholder 4">
-            <a:extLst>
-              <a:ext uri="{FF2B5EF4-FFF2-40B4-BE49-F238E27FC236}">
-                <a16:creationId xmlns:a16="http://schemas.microsoft.com/office/drawing/2014/main" id="{332952CC-C50D-476E-809A-6DA6452F7F94}"/>
-              </a:ext>
-            </a:extLst>
-          </p:cNvPr>
-          <p:cNvSpPr>
-            <a:spLocks noGrp="1"/>
-          </p:cNvSpPr>
-          <p:nvPr>
-            <p:ph type="ftr" sz="quarter" idx="11"/>
-          </p:nvPr>
-        </p:nvSpPr>
-        <p:spPr/>
-        <p:txBody>
-          <a:bodyPr/>
-          <a:lstStyle/>
-          <a:p>
-            <a:r>
-              <a:rPr lang="en-US"/>
-              <a:t>© 2019 Volodymyr Kindratenko.  All rights reserved.</a:t>
             </a:r>
             <a:endParaRPr lang="en-US" dirty="0"/>
           </a:p>
@@ -10498,139 +10480,234 @@
         </p:nvSpPr>
         <p:spPr>
           <a:xfrm>
-            <a:off x="596350" y="1291959"/>
-            <a:ext cx="7792278" cy="5043948"/>
+            <a:off x="5447750" y="212458"/>
+            <a:ext cx="6744250" cy="6645541"/>
           </a:xfrm>
         </p:spPr>
         <p:txBody>
           <a:bodyPr>
-            <a:normAutofit fontScale="47500" lnSpcReduction="20000"/>
+            <a:normAutofit fontScale="40000" lnSpcReduction="20000"/>
           </a:bodyPr>
           <a:lstStyle/>
           <a:p>
             <a:r>
-              <a:rPr lang="en-US" dirty="0"/>
-              <a:t>                ; Interrupt Service Routine</a:t>
-            </a:r>
-          </a:p>
-          <a:p>
-            <a:r>
-              <a:rPr lang="en-US" dirty="0"/>
+              <a:rPr lang="en-US" b="1" dirty="0"/>
               <a:t>ISR_KB</a:t>
             </a:r>
           </a:p>
           <a:p>
             <a:r>
-              <a:rPr lang="en-US" dirty="0"/>
-              <a:t>    ST  R0,SaveR0 ;</a:t>
-            </a:r>
-            <a:r>
-              <a:rPr lang="en-US" dirty="0" err="1"/>
+              <a:rPr lang="en-US" b="1" dirty="0"/>
+              <a:t>		ST  R0,SaveR0 ;</a:t>
+            </a:r>
+            <a:r>
+              <a:rPr lang="en-US" b="1" dirty="0" err="1"/>
               <a:t>callee</a:t>
             </a:r>
             <a:r>
-              <a:rPr lang="en-US" dirty="0"/>
+              <a:rPr lang="en-US" b="1" dirty="0"/>
               <a:t>-save</a:t>
             </a:r>
           </a:p>
           <a:p>
             <a:r>
-              <a:rPr lang="en-US" dirty="0"/>
-              <a:t>    ST  R7,SaveR7 ;</a:t>
-            </a:r>
-            <a:r>
-              <a:rPr lang="en-US" dirty="0" err="1"/>
+              <a:rPr lang="en-US" b="1" dirty="0"/>
+              <a:t>		ST  R7,SaveR7 ;</a:t>
+            </a:r>
+            <a:r>
+              <a:rPr lang="en-US" b="1" dirty="0" err="1"/>
               <a:t>callee</a:t>
             </a:r>
             <a:r>
-              <a:rPr lang="en-US" dirty="0"/>
+              <a:rPr lang="en-US" b="1" dirty="0"/>
               <a:t>-save</a:t>
             </a:r>
           </a:p>
           <a:p>
             <a:r>
-              <a:rPr lang="en-US" dirty="0"/>
-              <a:t>    LDI R0,KBDR ;read a </a:t>
-            </a:r>
-            <a:r>
-              <a:rPr lang="en-US" dirty="0" err="1"/>
+              <a:rPr lang="en-US" b="1" dirty="0"/>
+              <a:t>		LDI R0,KBDR ;read a </a:t>
+            </a:r>
+            <a:r>
+              <a:rPr lang="en-US" b="1" dirty="0" err="1"/>
               <a:t>charcter</a:t>
             </a:r>
             <a:r>
-              <a:rPr lang="en-US" dirty="0"/>
+              <a:rPr lang="en-US" b="1" dirty="0"/>
               <a:t> from keyboard and clear ready bit</a:t>
             </a:r>
           </a:p>
           <a:p>
             <a:r>
-              <a:rPr lang="en-US" dirty="0"/>
-              <a:t>    HALT</a:t>
-            </a:r>
-          </a:p>
-          <a:p>
-            <a:r>
-              <a:rPr lang="en-US" dirty="0"/>
-              <a:t>    LD  R0,SaveR0</a:t>
-            </a:r>
-          </a:p>
-          <a:p>
-            <a:r>
-              <a:rPr lang="en-US" dirty="0"/>
-              <a:t>    LD  R7,SaveR7</a:t>
-            </a:r>
-          </a:p>
-          <a:p>
-            <a:r>
-              <a:rPr lang="en-US" dirty="0"/>
+              <a:rPr lang="en-US" b="1" dirty="0"/>
+              <a:t>DPOLL	</a:t>
+            </a:r>
+            <a:r>
+              <a:rPr lang="en-US" b="1" dirty="0" smtClean="0"/>
+              <a:t>	LDI </a:t>
+            </a:r>
+            <a:r>
+              <a:rPr lang="en-US" b="1" dirty="0"/>
+              <a:t>R1, DSR  ; Test Display </a:t>
+            </a:r>
+            <a:r>
+              <a:rPr lang="en-US" b="1" dirty="0" err="1"/>
+              <a:t>Regster</a:t>
+            </a:r>
+            <a:r>
+              <a:rPr lang="en-US" b="1" dirty="0"/>
+              <a:t> is ready</a:t>
+            </a:r>
+          </a:p>
+          <a:p>
+            <a:r>
+              <a:rPr lang="en-US" b="1" dirty="0"/>
+              <a:t>		</a:t>
+            </a:r>
+            <a:r>
+              <a:rPr lang="en-US" b="1" dirty="0" err="1"/>
+              <a:t>BRzp</a:t>
+            </a:r>
+            <a:r>
+              <a:rPr lang="en-US" b="1" dirty="0"/>
+              <a:t> </a:t>
+            </a:r>
+            <a:r>
+              <a:rPr lang="en-US" b="1" dirty="0" smtClean="0"/>
+              <a:t> DPOLL</a:t>
+            </a:r>
+            <a:endParaRPr lang="en-US" b="1" dirty="0"/>
+          </a:p>
+          <a:p>
+            <a:r>
+              <a:rPr lang="en-US" b="1" dirty="0"/>
+              <a:t>		STI R0, DDR</a:t>
+            </a:r>
+          </a:p>
+          <a:p>
+            <a:r>
+              <a:rPr lang="en-US" b="1" dirty="0"/>
               <a:t>    </a:t>
             </a:r>
             <a:r>
-              <a:rPr lang="en-US" dirty="0" smtClean="0"/>
-              <a:t>RTI</a:t>
-            </a:r>
-          </a:p>
-          <a:p>
-            <a:r>
-              <a:rPr lang="en-US" dirty="0"/>
-              <a:t/>
-            </a:r>
-            <a:br>
-              <a:rPr lang="en-US" dirty="0"/>
-            </a:br>
-            <a:r>
-              <a:rPr lang="en-US" dirty="0"/>
-              <a:t>EN_IE     .FILL x4000 ; enable IE 0100_0000_0000_0000</a:t>
-            </a:r>
-          </a:p>
-          <a:p>
-            <a:r>
-              <a:rPr lang="en-US" dirty="0"/>
-              <a:t>NUM2     .FILL x0032 ; '2'</a:t>
-            </a:r>
-          </a:p>
-          <a:p>
-            <a:r>
-              <a:rPr lang="en-US" dirty="0"/>
-              <a:t>KBSR      .FILL xFE00</a:t>
-            </a:r>
-          </a:p>
-          <a:p>
-            <a:r>
-              <a:rPr lang="en-US" dirty="0"/>
-              <a:t>KBDR     .FILL xFE02</a:t>
-            </a:r>
-          </a:p>
-          <a:p>
-            <a:r>
-              <a:rPr lang="en-US" dirty="0"/>
-              <a:t>KBINTV .FILL x0180 ; INT vector table address for keyboard</a:t>
-            </a:r>
-          </a:p>
-          <a:p>
-            <a:r>
-              <a:rPr lang="en-US" dirty="0"/>
-              <a:t>SaveR0   .BLKW #1</a:t>
-            </a:r>
+              <a:rPr lang="en-US" b="1" dirty="0" smtClean="0"/>
+              <a:t>		LD  </a:t>
+            </a:r>
+            <a:r>
+              <a:rPr lang="en-US" b="1" dirty="0"/>
+              <a:t>R0,SaveR0</a:t>
+            </a:r>
+          </a:p>
+          <a:p>
+            <a:r>
+              <a:rPr lang="en-US" b="1" dirty="0"/>
+              <a:t>   </a:t>
+            </a:r>
+            <a:r>
+              <a:rPr lang="en-US" b="1" dirty="0" smtClean="0"/>
+              <a:t>		 </a:t>
+            </a:r>
+            <a:r>
+              <a:rPr lang="en-US" b="1" dirty="0"/>
+              <a:t>LD  R7,SaveR7</a:t>
+            </a:r>
+          </a:p>
+          <a:p>
+            <a:r>
+              <a:rPr lang="en-US" b="1" dirty="0"/>
+              <a:t>		HALT</a:t>
+            </a:r>
+          </a:p>
+          <a:p>
+            <a:r>
+              <a:rPr lang="en-US" b="1" dirty="0"/>
+              <a:t>		RTI</a:t>
+            </a:r>
+          </a:p>
+          <a:p>
+            <a:r>
+              <a:rPr lang="en-US" b="1" dirty="0"/>
+              <a:t>EN_IE  </a:t>
+            </a:r>
+            <a:r>
+              <a:rPr lang="en-US" b="1" dirty="0" smtClean="0"/>
+              <a:t>	 </a:t>
+            </a:r>
+            <a:r>
+              <a:rPr lang="en-US" b="1" dirty="0"/>
+              <a:t>.FILL   x4000 ;enable IE 0100_0000_0000_0000</a:t>
+            </a:r>
+          </a:p>
+          <a:p>
+            <a:r>
+              <a:rPr lang="en-US" b="1"/>
+              <a:t>NUM2    </a:t>
+            </a:r>
+            <a:r>
+              <a:rPr lang="en-US" b="1" smtClean="0"/>
+              <a:t>	.</a:t>
+            </a:r>
+            <a:r>
+              <a:rPr lang="en-US" b="1" dirty="0"/>
+              <a:t>FILL   x0032 ;'2'</a:t>
+            </a:r>
+          </a:p>
+          <a:p>
+            <a:r>
+              <a:rPr lang="en-US" b="1" dirty="0"/>
+              <a:t>KBSR 	.FILL 	xFE00     ; Address of KBSR</a:t>
+            </a:r>
+          </a:p>
+          <a:p>
+            <a:r>
+              <a:rPr lang="en-US" b="1" dirty="0"/>
+              <a:t>KBDR 	.FILL 	xFE02	 ; Address of KBDR</a:t>
+            </a:r>
+          </a:p>
+          <a:p>
+            <a:r>
+              <a:rPr lang="en-US" b="1" dirty="0"/>
+              <a:t>DSR  	.FILL 	xFE04 	 ; Address of DSR</a:t>
+            </a:r>
+          </a:p>
+          <a:p>
+            <a:r>
+              <a:rPr lang="en-US" b="1" dirty="0"/>
+              <a:t>DDR  	.FILL 	xFE06     ; Address of DDR</a:t>
+            </a:r>
+          </a:p>
+          <a:p>
+            <a:r>
+              <a:rPr lang="en-US" b="1" dirty="0"/>
+              <a:t>KBINTV  .FILL   x0180 </a:t>
+            </a:r>
+            <a:r>
+              <a:rPr lang="en-US" b="1" dirty="0" smtClean="0"/>
+              <a:t>;	   INT </a:t>
+            </a:r>
+            <a:r>
+              <a:rPr lang="en-US" b="1" dirty="0"/>
+              <a:t>vector table address for keyboard</a:t>
+            </a:r>
+          </a:p>
+          <a:p>
+            <a:r>
+              <a:rPr lang="en-US" b="1" dirty="0"/>
+              <a:t>SaveR0  .BLKW   #1</a:t>
+            </a:r>
+          </a:p>
+          <a:p>
+            <a:r>
+              <a:rPr lang="en-US" b="1" dirty="0"/>
+              <a:t>SaveR7  .BLKW   #1</a:t>
+            </a:r>
+          </a:p>
+          <a:p>
+            <a:r>
+              <a:rPr lang="en-US" b="1" dirty="0"/>
+              <a:t>.END</a:t>
+            </a:r>
+            <a:endParaRPr lang="en-US" b="1" dirty="0"/>
           </a:p>
           <a:p>
             <a:endParaRPr lang="en-US" dirty="0"/>
@@ -10661,36 +10738,6 @@
             <a:r>
               <a:rPr lang="en-US"/>
               <a:t>ECE 220: Computer Systems &amp; Programming</a:t>
-            </a:r>
-            <a:endParaRPr lang="en-US" dirty="0"/>
-          </a:p>
-        </p:txBody>
-      </p:sp>
-      <p:sp>
-        <p:nvSpPr>
-          <p:cNvPr id="5" name="Footer Placeholder 4">
-            <a:extLst>
-              <a:ext uri="{FF2B5EF4-FFF2-40B4-BE49-F238E27FC236}">
-                <a16:creationId xmlns:a16="http://schemas.microsoft.com/office/drawing/2014/main" id="{17BB840B-81CF-4785-93C7-C01F81264BD1}"/>
-              </a:ext>
-            </a:extLst>
-          </p:cNvPr>
-          <p:cNvSpPr>
-            <a:spLocks noGrp="1"/>
-          </p:cNvSpPr>
-          <p:nvPr>
-            <p:ph type="ftr" sz="quarter" idx="11"/>
-          </p:nvPr>
-        </p:nvSpPr>
-        <p:spPr/>
-        <p:txBody>
-          <a:bodyPr/>
-          <a:lstStyle/>
-          <a:p>
-            <a:pPr algn="r"/>
-            <a:r>
-              <a:rPr lang="en-US"/>
-              <a:t>© 2019 Volodymyr Kindratenko.  All rights reserved.</a:t>
             </a:r>
             <a:endParaRPr lang="en-US" dirty="0"/>
           </a:p>

--- a/Lecture#6/interrupts-and-exceptions.pptx
+++ b/Lecture#6/interrupts-and-exceptions.pptx
@@ -226,7 +226,7 @@
           <a:p>
             <a:fld id="{B7B2EAB6-D689-4E05-BA69-3794AD24F7EB}" type="datetimeFigureOut">
               <a:rPr lang="en-US" smtClean="0"/>
-              <a:t>9/14/2019</a:t>
+              <a:t>9/17/2019</a:t>
             </a:fld>
             <a:endParaRPr lang="en-US"/>
           </a:p>
@@ -391,7 +391,7 @@
           <a:p>
             <a:fld id="{FCB7FEB2-7CC4-407B-823B-93A197C339A3}" type="datetimeFigureOut">
               <a:rPr lang="en-US" smtClean="0"/>
-              <a:t>9/14/2019</a:t>
+              <a:t>9/17/2019</a:t>
             </a:fld>
             <a:endParaRPr lang="en-US"/>
           </a:p>
@@ -10330,7 +10330,6 @@
               <a:rPr lang="en-US" dirty="0"/>
               <a:t>   AGAIN</a:t>
             </a:r>
-            <a:endParaRPr lang="en-US" dirty="0"/>
           </a:p>
         </p:txBody>
       </p:sp>
@@ -10512,7 +10511,15 @@
           <a:p>
             <a:r>
               <a:rPr lang="en-US" b="1" dirty="0"/>
-              <a:t>		ST  R7,SaveR7 ;</a:t>
+              <a:t>		ST  </a:t>
+            </a:r>
+            <a:r>
+              <a:rPr lang="en-US" b="1" dirty="0" smtClean="0"/>
+              <a:t>R1,SaveR1 </a:t>
+            </a:r>
+            <a:r>
+              <a:rPr lang="en-US" b="1" dirty="0"/>
+              <a:t>;</a:t>
             </a:r>
             <a:r>
               <a:rPr lang="en-US" b="1" dirty="0" err="1"/>
@@ -10609,8 +10616,13 @@
             </a:r>
             <a:r>
               <a:rPr lang="en-US" b="1" dirty="0"/>
-              <a:t>LD  R7,SaveR7</a:t>
-            </a:r>
+              <a:t>LD  </a:t>
+            </a:r>
+            <a:r>
+              <a:rPr lang="en-US" b="1" dirty="0" smtClean="0"/>
+              <a:t>R1,SaveR1</a:t>
+            </a:r>
+            <a:endParaRPr lang="en-US" b="1" dirty="0"/>
           </a:p>
           <a:p>
             <a:r>
@@ -10640,11 +10652,11 @@
           </a:p>
           <a:p>
             <a:r>
-              <a:rPr lang="en-US" b="1"/>
+              <a:rPr lang="en-US" b="1" dirty="0"/>
               <a:t>NUM2    </a:t>
             </a:r>
             <a:r>
-              <a:rPr lang="en-US" b="1" smtClean="0"/>
+              <a:rPr lang="en-US" b="1" dirty="0" smtClean="0"/>
               <a:t>	.</a:t>
             </a:r>
             <a:r>
@@ -10698,8 +10710,12 @@
           </a:p>
           <a:p>
             <a:r>
+              <a:rPr lang="en-US" b="1" smtClean="0"/>
+              <a:t>SaveR1  </a:t>
+            </a:r>
+            <a:r>
               <a:rPr lang="en-US" b="1" dirty="0"/>
-              <a:t>SaveR7  .BLKW   #1</a:t>
+              <a:t>.BLKW   #1</a:t>
             </a:r>
           </a:p>
           <a:p>
@@ -10707,7 +10723,6 @@
               <a:rPr lang="en-US" b="1" dirty="0"/>
               <a:t>.END</a:t>
             </a:r>
-            <a:endParaRPr lang="en-US" b="1" dirty="0"/>
           </a:p>
           <a:p>
             <a:endParaRPr lang="en-US" dirty="0"/>
